--- a/reference_content/Slides/005_Forest_Ensamble.pptx
+++ b/reference_content/Slides/005_Forest_Ensamble.pptx
@@ -9,14 +9,16 @@
     <p:sldId id="256" r:id="rId3"/>
     <p:sldId id="257" r:id="rId4"/>
     <p:sldId id="260" r:id="rId5"/>
-    <p:sldId id="262" r:id="rId6"/>
-    <p:sldId id="259" r:id="rId7"/>
-    <p:sldId id="261" r:id="rId8"/>
-    <p:sldId id="271" r:id="rId9"/>
-    <p:sldId id="273" r:id="rId10"/>
-    <p:sldId id="272" r:id="rId11"/>
-    <p:sldId id="265" r:id="rId12"/>
-    <p:sldId id="263" r:id="rId13"/>
+    <p:sldId id="274" r:id="rId6"/>
+    <p:sldId id="262" r:id="rId7"/>
+    <p:sldId id="259" r:id="rId8"/>
+    <p:sldId id="261" r:id="rId9"/>
+    <p:sldId id="271" r:id="rId10"/>
+    <p:sldId id="273" r:id="rId11"/>
+    <p:sldId id="272" r:id="rId12"/>
+    <p:sldId id="265" r:id="rId13"/>
+    <p:sldId id="275" r:id="rId14"/>
+    <p:sldId id="263" r:id="rId15"/>
   </p:sldIdLst>
   <p:sldSz cx="12192000" cy="6858000"/>
   <p:notesSz cx="6858000" cy="9144000"/>
@@ -262,7 +264,7 @@
           <a:p>
             <a:fld id="{156F9EFD-ACEF-7249-9847-E06D18B32B36}" type="datetimeFigureOut">
               <a:rPr lang="en-US" smtClean="0"/>
-              <a:t>1/16/25</a:t>
+              <a:t>1/14/26</a:t>
             </a:fld>
             <a:endParaRPr lang="en-US"/>
           </a:p>
@@ -473,7 +475,7 @@
           <a:p>
             <a:fld id="{156F9EFD-ACEF-7249-9847-E06D18B32B36}" type="datetimeFigureOut">
               <a:rPr lang="en-US" smtClean="0"/>
-              <a:t>1/16/25</a:t>
+              <a:t>1/14/26</a:t>
             </a:fld>
             <a:endParaRPr lang="en-US"/>
           </a:p>
@@ -688,7 +690,7 @@
           <a:p>
             <a:fld id="{156F9EFD-ACEF-7249-9847-E06D18B32B36}" type="datetimeFigureOut">
               <a:rPr lang="en-US" smtClean="0"/>
-              <a:t>1/16/25</a:t>
+              <a:t>1/14/26</a:t>
             </a:fld>
             <a:endParaRPr lang="en-US"/>
           </a:p>
@@ -889,7 +891,7 @@
           <a:p>
             <a:fld id="{156F9EFD-ACEF-7249-9847-E06D18B32B36}" type="datetimeFigureOut">
               <a:rPr lang="en-US" smtClean="0"/>
-              <a:t>1/16/25</a:t>
+              <a:t>1/14/26</a:t>
             </a:fld>
             <a:endParaRPr lang="en-US"/>
           </a:p>
@@ -1168,7 +1170,7 @@
           <a:p>
             <a:fld id="{156F9EFD-ACEF-7249-9847-E06D18B32B36}" type="datetimeFigureOut">
               <a:rPr lang="en-US" smtClean="0"/>
-              <a:t>1/16/25</a:t>
+              <a:t>1/14/26</a:t>
             </a:fld>
             <a:endParaRPr lang="en-US"/>
           </a:p>
@@ -1436,7 +1438,7 @@
           <a:p>
             <a:fld id="{156F9EFD-ACEF-7249-9847-E06D18B32B36}" type="datetimeFigureOut">
               <a:rPr lang="en-US" smtClean="0"/>
-              <a:t>1/16/25</a:t>
+              <a:t>1/14/26</a:t>
             </a:fld>
             <a:endParaRPr lang="en-US"/>
           </a:p>
@@ -1852,7 +1854,7 @@
           <a:p>
             <a:fld id="{156F9EFD-ACEF-7249-9847-E06D18B32B36}" type="datetimeFigureOut">
               <a:rPr lang="en-US" smtClean="0"/>
-              <a:t>1/16/25</a:t>
+              <a:t>1/14/26</a:t>
             </a:fld>
             <a:endParaRPr lang="en-US"/>
           </a:p>
@@ -2001,7 +2003,7 @@
           <a:p>
             <a:fld id="{156F9EFD-ACEF-7249-9847-E06D18B32B36}" type="datetimeFigureOut">
               <a:rPr lang="en-US" smtClean="0"/>
-              <a:t>1/16/25</a:t>
+              <a:t>1/14/26</a:t>
             </a:fld>
             <a:endParaRPr lang="en-US"/>
           </a:p>
@@ -2127,7 +2129,7 @@
           <a:p>
             <a:fld id="{156F9EFD-ACEF-7249-9847-E06D18B32B36}" type="datetimeFigureOut">
               <a:rPr lang="en-US" smtClean="0"/>
-              <a:t>1/16/25</a:t>
+              <a:t>1/14/26</a:t>
             </a:fld>
             <a:endParaRPr lang="en-US"/>
           </a:p>
@@ -2378,7 +2380,7 @@
           <a:p>
             <a:fld id="{156F9EFD-ACEF-7249-9847-E06D18B32B36}" type="datetimeFigureOut">
               <a:rPr lang="en-US" smtClean="0"/>
-              <a:t>1/16/25</a:t>
+              <a:t>1/14/26</a:t>
             </a:fld>
             <a:endParaRPr lang="en-US"/>
           </a:p>
@@ -2823,7 +2825,7 @@
           <a:p>
             <a:fld id="{156F9EFD-ACEF-7249-9847-E06D18B32B36}" type="datetimeFigureOut">
               <a:rPr lang="en-US" smtClean="0"/>
-              <a:t>1/16/25</a:t>
+              <a:t>1/14/26</a:t>
             </a:fld>
             <a:endParaRPr lang="en-US"/>
           </a:p>
@@ -2990,6 +2992,13 @@
             <a:schemeClr val="lt1"/>
           </a:fontRef>
         </p:style>
+        <p:txBody>
+          <a:bodyPr/>
+          <a:lstStyle/>
+          <a:p>
+            <a:endParaRPr lang="en-US"/>
+          </a:p>
+        </p:txBody>
       </p:sp>
       <p:pic>
         <p:nvPicPr>
@@ -3150,7 +3159,7 @@
           <a:p>
             <a:fld id="{156F9EFD-ACEF-7249-9847-E06D18B32B36}" type="datetimeFigureOut">
               <a:rPr lang="en-US" smtClean="0"/>
-              <a:t>1/16/25</a:t>
+              <a:t>1/14/26</a:t>
             </a:fld>
             <a:endParaRPr lang="en-US"/>
           </a:p>
@@ -3704,16 +3713,6 @@
               <a:t>, cross validation, and forests. </a:t>
             </a:r>
           </a:p>
-          <a:p>
-            <a:r>
-              <a:rPr lang="en-US" dirty="0"/>
-              <a:t>If time, regression trees. </a:t>
-            </a:r>
-          </a:p>
-          <a:p>
-            <a:pPr lvl="1"/>
-            <a:endParaRPr lang="en-US" dirty="0"/>
-          </a:p>
         </p:txBody>
       </p:sp>
     </p:spTree>
@@ -3730,6 +3729,151 @@
 </file>
 
 <file path=ppt/slides/slide10.xml><?xml version="1.0" encoding="utf-8"?>
+<p:sld xmlns:a="http://schemas.openxmlformats.org/drawingml/2006/main" xmlns:r="http://schemas.openxmlformats.org/officeDocument/2006/relationships" xmlns:p="http://schemas.openxmlformats.org/presentationml/2006/main">
+  <p:cSld>
+    <p:spTree>
+      <p:nvGrpSpPr>
+        <p:cNvPr id="1" name=""/>
+        <p:cNvGrpSpPr/>
+        <p:nvPr/>
+      </p:nvGrpSpPr>
+      <p:grpSpPr>
+        <a:xfrm>
+          <a:off x="0" y="0"/>
+          <a:ext cx="0" cy="0"/>
+          <a:chOff x="0" y="0"/>
+          <a:chExt cx="0" cy="0"/>
+        </a:xfrm>
+      </p:grpSpPr>
+      <p:sp>
+        <p:nvSpPr>
+          <p:cNvPr id="2" name="Title 1">
+            <a:extLst>
+              <a:ext uri="{FF2B5EF4-FFF2-40B4-BE49-F238E27FC236}">
+                <a16:creationId xmlns:a16="http://schemas.microsoft.com/office/drawing/2014/main" id="{A94E7D65-8D9F-C838-FE7D-015E0202DAD1}"/>
+              </a:ext>
+            </a:extLst>
+          </p:cNvPr>
+          <p:cNvSpPr>
+            <a:spLocks noGrp="1"/>
+          </p:cNvSpPr>
+          <p:nvPr>
+            <p:ph type="title"/>
+          </p:nvPr>
+        </p:nvSpPr>
+        <p:spPr/>
+        <p:txBody>
+          <a:bodyPr/>
+          <a:lstStyle/>
+          <a:p>
+            <a:r>
+              <a:rPr lang="en-US" dirty="0"/>
+              <a:t>Forests Against Overfitting</a:t>
+            </a:r>
+          </a:p>
+        </p:txBody>
+      </p:sp>
+      <p:sp>
+        <p:nvSpPr>
+          <p:cNvPr id="3" name="Content Placeholder 2">
+            <a:extLst>
+              <a:ext uri="{FF2B5EF4-FFF2-40B4-BE49-F238E27FC236}">
+                <a16:creationId xmlns:a16="http://schemas.microsoft.com/office/drawing/2014/main" id="{678C5B5D-35BD-314A-454F-0326FD5A5FBC}"/>
+              </a:ext>
+            </a:extLst>
+          </p:cNvPr>
+          <p:cNvSpPr>
+            <a:spLocks noGrp="1"/>
+          </p:cNvSpPr>
+          <p:nvPr>
+            <p:ph idx="1"/>
+          </p:nvPr>
+        </p:nvSpPr>
+        <p:spPr>
+          <a:xfrm>
+            <a:off x="944217" y="1853754"/>
+            <a:ext cx="10893287" cy="4199727"/>
+          </a:xfrm>
+        </p:spPr>
+        <p:txBody>
+          <a:bodyPr>
+            <a:normAutofit/>
+          </a:bodyPr>
+          <a:lstStyle/>
+          <a:p>
+            <a:r>
+              <a:rPr lang="en-US" dirty="0"/>
+              <a:t>Forest model are more resilient to overfitting than individual trees. </a:t>
+            </a:r>
+          </a:p>
+          <a:p>
+            <a:r>
+              <a:rPr lang="en-US" dirty="0"/>
+              <a:t>Trees tend to overfit by splitting nodes by less important features to get slightly better. </a:t>
+            </a:r>
+          </a:p>
+          <a:p>
+            <a:pPr lvl="1"/>
+            <a:r>
+              <a:rPr lang="en-US" dirty="0"/>
+              <a:t>By definition, it is looking at the less important stuff to separate similar records. </a:t>
+            </a:r>
+          </a:p>
+          <a:p>
+            <a:r>
+              <a:rPr lang="en-US" dirty="0"/>
+              <a:t>Forests give each model a slightly different training data set. </a:t>
+            </a:r>
+          </a:p>
+          <a:p>
+            <a:pPr lvl="1"/>
+            <a:r>
+              <a:rPr lang="en-US" dirty="0"/>
+              <a:t>Only some models will be able to overfit (in any particular way) since they don’t all have the data. </a:t>
+            </a:r>
+          </a:p>
+          <a:p>
+            <a:pPr lvl="1"/>
+            <a:r>
+              <a:rPr lang="en-US" dirty="0"/>
+              <a:t>The final result is a vote of all the models. Only “major” tendencies will be in most/all trees. </a:t>
+            </a:r>
+          </a:p>
+          <a:p>
+            <a:r>
+              <a:rPr lang="en-US" dirty="0"/>
+              <a:t>Even if some trees overfit, that can be overcome as those will ‘loose the vote’ of all trees. </a:t>
+            </a:r>
+          </a:p>
+          <a:p>
+            <a:r>
+              <a:rPr lang="en-US" dirty="0"/>
+              <a:t>Only ‘trends’ in the data that exist in many of the models will persist. </a:t>
+            </a:r>
+          </a:p>
+          <a:p>
+            <a:pPr lvl="1"/>
+            <a:r>
+              <a:rPr lang="en-US" dirty="0"/>
+              <a:t>We’re using the instability of the tree for us – each tree is different, but the ‘overlap’ persists in the model. </a:t>
+            </a:r>
+          </a:p>
+        </p:txBody>
+      </p:sp>
+    </p:spTree>
+    <p:extLst>
+      <p:ext uri="{BB962C8B-B14F-4D97-AF65-F5344CB8AC3E}">
+        <p14:creationId xmlns:p14="http://schemas.microsoft.com/office/powerpoint/2010/main" val="1986651203"/>
+      </p:ext>
+    </p:extLst>
+  </p:cSld>
+  <p:clrMapOvr>
+    <a:masterClrMapping/>
+  </p:clrMapOvr>
+</p:sld>
+</file>
+
+<file path=ppt/slides/slide11.xml><?xml version="1.0" encoding="utf-8"?>
 <p:sld xmlns:a="http://schemas.openxmlformats.org/drawingml/2006/main" xmlns:r="http://schemas.openxmlformats.org/officeDocument/2006/relationships" xmlns:p="http://schemas.openxmlformats.org/presentationml/2006/main" show="0">
   <p:cSld>
     <p:spTree>
@@ -3869,7 +4013,7 @@
 </p:sld>
 </file>
 
-<file path=ppt/slides/slide11.xml><?xml version="1.0" encoding="utf-8"?>
+<file path=ppt/slides/slide12.xml><?xml version="1.0" encoding="utf-8"?>
 <p:sld xmlns:a="http://schemas.openxmlformats.org/drawingml/2006/main" xmlns:r="http://schemas.openxmlformats.org/officeDocument/2006/relationships" xmlns:p="http://schemas.openxmlformats.org/presentationml/2006/main">
   <p:cSld>
     <p:spTree>
@@ -3986,7 +4130,150 @@
 </p:sld>
 </file>
 
-<file path=ppt/slides/slide12.xml><?xml version="1.0" encoding="utf-8"?>
+<file path=ppt/slides/slide13.xml><?xml version="1.0" encoding="utf-8"?>
+<p:sld xmlns:a="http://schemas.openxmlformats.org/drawingml/2006/main" xmlns:r="http://schemas.openxmlformats.org/officeDocument/2006/relationships" xmlns:p="http://schemas.openxmlformats.org/presentationml/2006/main">
+  <p:cSld>
+    <p:spTree>
+      <p:nvGrpSpPr>
+        <p:cNvPr id="1" name=""/>
+        <p:cNvGrpSpPr/>
+        <p:nvPr/>
+      </p:nvGrpSpPr>
+      <p:grpSpPr>
+        <a:xfrm>
+          <a:off x="0" y="0"/>
+          <a:ext cx="0" cy="0"/>
+          <a:chOff x="0" y="0"/>
+          <a:chExt cx="0" cy="0"/>
+        </a:xfrm>
+      </p:grpSpPr>
+      <p:sp>
+        <p:nvSpPr>
+          <p:cNvPr id="2" name="Title 1">
+            <a:extLst>
+              <a:ext uri="{FF2B5EF4-FFF2-40B4-BE49-F238E27FC236}">
+                <a16:creationId xmlns:a16="http://schemas.microsoft.com/office/drawing/2014/main" id="{405B6E52-2A51-35C0-CDD0-8E96D5470672}"/>
+              </a:ext>
+            </a:extLst>
+          </p:cNvPr>
+          <p:cNvSpPr>
+            <a:spLocks noGrp="1"/>
+          </p:cNvSpPr>
+          <p:nvPr>
+            <p:ph type="title"/>
+          </p:nvPr>
+        </p:nvSpPr>
+        <p:spPr/>
+        <p:txBody>
+          <a:bodyPr/>
+          <a:lstStyle/>
+          <a:p>
+            <a:r>
+              <a:rPr lang="en-US" dirty="0"/>
+              <a:t>Learner Strength</a:t>
+            </a:r>
+          </a:p>
+        </p:txBody>
+      </p:sp>
+      <p:sp>
+        <p:nvSpPr>
+          <p:cNvPr id="3" name="Content Placeholder 2">
+            <a:extLst>
+              <a:ext uri="{FF2B5EF4-FFF2-40B4-BE49-F238E27FC236}">
+                <a16:creationId xmlns:a16="http://schemas.microsoft.com/office/drawing/2014/main" id="{6533F862-F847-809F-8C8A-C7B9B25877F3}"/>
+              </a:ext>
+            </a:extLst>
+          </p:cNvPr>
+          <p:cNvSpPr>
+            <a:spLocks noGrp="1"/>
+          </p:cNvSpPr>
+          <p:nvPr>
+            <p:ph idx="1"/>
+          </p:nvPr>
+        </p:nvSpPr>
+        <p:spPr>
+          <a:xfrm>
+            <a:off x="1451579" y="1939332"/>
+            <a:ext cx="9603275" cy="4114149"/>
+          </a:xfrm>
+        </p:spPr>
+        <p:txBody>
+          <a:bodyPr/>
+          <a:lstStyle/>
+          <a:p>
+            <a:r>
+              <a:rPr lang="en-US" dirty="0"/>
+              <a:t>We will care more about weak learners later, but we need the basics. </a:t>
+            </a:r>
+          </a:p>
+          <a:p>
+            <a:r>
+              <a:rPr lang="en-US" dirty="0"/>
+              <a:t>A strong learner is a model that gets “high accuracy”. </a:t>
+            </a:r>
+          </a:p>
+          <a:p>
+            <a:pPr lvl="1"/>
+            <a:r>
+              <a:rPr lang="en-US" dirty="0"/>
+              <a:t>Regression and trees both make strong learners. </a:t>
+            </a:r>
+          </a:p>
+          <a:p>
+            <a:pPr lvl="1"/>
+            <a:r>
+              <a:rPr lang="en-US" dirty="0"/>
+              <a:t>Error comes from tailoring predictions too much to training data. </a:t>
+            </a:r>
+          </a:p>
+          <a:p>
+            <a:r>
+              <a:rPr lang="en-US" dirty="0"/>
+              <a:t>A weak learner is a model that can be slightly better than chance. </a:t>
+            </a:r>
+          </a:p>
+          <a:p>
+            <a:pPr lvl="1"/>
+            <a:r>
+              <a:rPr lang="en-US" dirty="0"/>
+              <a:t>A 2 level tree is a weak model. </a:t>
+            </a:r>
+          </a:p>
+          <a:p>
+            <a:pPr lvl="1"/>
+            <a:r>
+              <a:rPr lang="en-US" dirty="0"/>
+              <a:t>Error comes from not learning enough from training data. </a:t>
+            </a:r>
+          </a:p>
+          <a:p>
+            <a:r>
+              <a:rPr lang="en-US" dirty="0"/>
+              <a:t>This leads us to the next topic – bias vs variance. </a:t>
+            </a:r>
+          </a:p>
+          <a:p>
+            <a:r>
+              <a:rPr lang="en-US" dirty="0"/>
+              <a:t>Forests mitigate the strong learner error through the ensemble. </a:t>
+            </a:r>
+          </a:p>
+        </p:txBody>
+      </p:sp>
+    </p:spTree>
+    <p:extLst>
+      <p:ext uri="{BB962C8B-B14F-4D97-AF65-F5344CB8AC3E}">
+        <p14:creationId xmlns:p14="http://schemas.microsoft.com/office/powerpoint/2010/main" val="3398204229"/>
+      </p:ext>
+    </p:extLst>
+  </p:cSld>
+  <p:clrMapOvr>
+    <a:masterClrMapping/>
+  </p:clrMapOvr>
+</p:sld>
+</file>
+
+<file path=ppt/slides/slide14.xml><?xml version="1.0" encoding="utf-8"?>
 <p:sld xmlns:a="http://schemas.openxmlformats.org/drawingml/2006/main" xmlns:r="http://schemas.openxmlformats.org/officeDocument/2006/relationships" xmlns:p="http://schemas.openxmlformats.org/presentationml/2006/main">
   <p:cSld>
     <p:spTree>
@@ -4528,6 +4815,136 @@
           <p:cNvPr id="2" name="Title 1">
             <a:extLst>
               <a:ext uri="{FF2B5EF4-FFF2-40B4-BE49-F238E27FC236}">
+                <a16:creationId xmlns:a16="http://schemas.microsoft.com/office/drawing/2014/main" id="{94C83FCD-760A-8697-51DD-FC0B1C74DE4D}"/>
+              </a:ext>
+            </a:extLst>
+          </p:cNvPr>
+          <p:cNvSpPr>
+            <a:spLocks noGrp="1"/>
+          </p:cNvSpPr>
+          <p:nvPr>
+            <p:ph type="title"/>
+          </p:nvPr>
+        </p:nvSpPr>
+        <p:spPr/>
+        <p:txBody>
+          <a:bodyPr/>
+          <a:lstStyle/>
+          <a:p>
+            <a:r>
+              <a:rPr lang="en-US" dirty="0"/>
+              <a:t>Bagging Ensembles – Random Forest</a:t>
+            </a:r>
+          </a:p>
+        </p:txBody>
+      </p:sp>
+      <p:sp>
+        <p:nvSpPr>
+          <p:cNvPr id="3" name="Content Placeholder 2">
+            <a:extLst>
+              <a:ext uri="{FF2B5EF4-FFF2-40B4-BE49-F238E27FC236}">
+                <a16:creationId xmlns:a16="http://schemas.microsoft.com/office/drawing/2014/main" id="{7C07096A-5973-7D11-4ED4-374EE59E3263}"/>
+              </a:ext>
+            </a:extLst>
+          </p:cNvPr>
+          <p:cNvSpPr>
+            <a:spLocks noGrp="1"/>
+          </p:cNvSpPr>
+          <p:nvPr>
+            <p:ph idx="1"/>
+          </p:nvPr>
+        </p:nvSpPr>
+        <p:spPr/>
+        <p:txBody>
+          <a:bodyPr/>
+          <a:lstStyle/>
+          <a:p>
+            <a:endParaRPr lang="en-US"/>
+          </a:p>
+        </p:txBody>
+      </p:sp>
+      <p:pic>
+        <p:nvPicPr>
+          <p:cNvPr id="1026" name="Picture 2" descr="Random Forest Algorithm in Machine Learning - GeeksforGeeks">
+            <a:extLst>
+              <a:ext uri="{FF2B5EF4-FFF2-40B4-BE49-F238E27FC236}">
+                <a16:creationId xmlns:a16="http://schemas.microsoft.com/office/drawing/2014/main" id="{85E7C467-59E9-F9D7-E096-5A06813B90F1}"/>
+              </a:ext>
+            </a:extLst>
+          </p:cNvPr>
+          <p:cNvPicPr>
+            <a:picLocks noChangeAspect="1" noChangeArrowheads="1"/>
+          </p:cNvPicPr>
+          <p:nvPr/>
+        </p:nvPicPr>
+        <p:blipFill>
+          <a:blip r:embed="rId2">
+            <a:extLst>
+              <a:ext uri="{28A0092B-C50C-407E-A947-70E740481C1C}">
+                <a14:useLocalDpi xmlns:a14="http://schemas.microsoft.com/office/drawing/2010/main" val="0"/>
+              </a:ext>
+            </a:extLst>
+          </a:blip>
+          <a:srcRect/>
+          <a:stretch>
+            <a:fillRect/>
+          </a:stretch>
+        </p:blipFill>
+        <p:spPr bwMode="auto">
+          <a:xfrm>
+            <a:off x="1016000" y="1778000"/>
+            <a:ext cx="10160000" cy="5080000"/>
+          </a:xfrm>
+          <a:prstGeom prst="rect">
+            <a:avLst/>
+          </a:prstGeom>
+          <a:noFill/>
+          <a:extLst>
+            <a:ext uri="{909E8E84-426E-40DD-AFC4-6F175D3DCCD1}">
+              <a14:hiddenFill xmlns:a14="http://schemas.microsoft.com/office/drawing/2010/main">
+                <a:solidFill>
+                  <a:srgbClr val="FFFFFF"/>
+                </a:solidFill>
+              </a14:hiddenFill>
+            </a:ext>
+          </a:extLst>
+        </p:spPr>
+      </p:pic>
+    </p:spTree>
+    <p:extLst>
+      <p:ext uri="{BB962C8B-B14F-4D97-AF65-F5344CB8AC3E}">
+        <p14:creationId xmlns:p14="http://schemas.microsoft.com/office/powerpoint/2010/main" val="2145099808"/>
+      </p:ext>
+    </p:extLst>
+  </p:cSld>
+  <p:clrMapOvr>
+    <a:masterClrMapping/>
+  </p:clrMapOvr>
+</p:sld>
+</file>
+
+<file path=ppt/slides/slide6.xml><?xml version="1.0" encoding="utf-8"?>
+<p:sld xmlns:a="http://schemas.openxmlformats.org/drawingml/2006/main" xmlns:r="http://schemas.openxmlformats.org/officeDocument/2006/relationships" xmlns:p="http://schemas.openxmlformats.org/presentationml/2006/main">
+  <p:cSld>
+    <p:spTree>
+      <p:nvGrpSpPr>
+        <p:cNvPr id="1" name=""/>
+        <p:cNvGrpSpPr/>
+        <p:nvPr/>
+      </p:nvGrpSpPr>
+      <p:grpSpPr>
+        <a:xfrm>
+          <a:off x="0" y="0"/>
+          <a:ext cx="0" cy="0"/>
+          <a:chOff x="0" y="0"/>
+          <a:chExt cx="0" cy="0"/>
+        </a:xfrm>
+      </p:grpSpPr>
+      <p:sp>
+        <p:nvSpPr>
+          <p:cNvPr id="2" name="Title 1">
+            <a:extLst>
+              <a:ext uri="{FF2B5EF4-FFF2-40B4-BE49-F238E27FC236}">
                 <a16:creationId xmlns:a16="http://schemas.microsoft.com/office/drawing/2014/main" id="{0DFD3400-005E-B24F-AD86-CF8A577A5A9D}"/>
               </a:ext>
             </a:extLst>
@@ -4625,7 +5042,7 @@
           <a:p>
             <a:r>
               <a:rPr lang="en-US" dirty="0"/>
-              <a:t>Can also limit a selection of features in each dataset. </a:t>
+              <a:t>Can also limit a selection of features in each dataset (implementation varies). </a:t>
             </a:r>
           </a:p>
           <a:p>
@@ -4633,6 +5050,13 @@
             <a:r>
               <a:rPr lang="en-US" dirty="0"/>
               <a:t>I.e. select a random subset of features for each training set. </a:t>
+            </a:r>
+          </a:p>
+          <a:p>
+            <a:pPr lvl="1"/>
+            <a:r>
+              <a:rPr lang="en-US" dirty="0"/>
+              <a:t>Can also limit features available to each individual split. </a:t>
             </a:r>
           </a:p>
           <a:p>
@@ -4701,7 +5125,7 @@
 </p:sld>
 </file>
 
-<file path=ppt/slides/slide6.xml><?xml version="1.0" encoding="utf-8"?>
+<file path=ppt/slides/slide7.xml><?xml version="1.0" encoding="utf-8"?>
 <p:sld xmlns:a="http://schemas.openxmlformats.org/drawingml/2006/main" xmlns:r="http://schemas.openxmlformats.org/officeDocument/2006/relationships" xmlns:p="http://schemas.openxmlformats.org/presentationml/2006/main">
   <p:cSld>
     <p:spTree>
@@ -4764,8 +5188,8 @@
         </p:nvSpPr>
         <p:spPr>
           <a:xfrm>
-            <a:off x="1451579" y="2015732"/>
-            <a:ext cx="9603275" cy="4037749"/>
+            <a:off x="1451579" y="1853754"/>
+            <a:ext cx="9603275" cy="4199727"/>
           </a:xfrm>
         </p:spPr>
         <p:txBody>
@@ -4820,6 +5244,13 @@
             <a:r>
               <a:rPr lang="en-US" dirty="0"/>
               <a:t>Individual overfitted trees will be “outvoted” for final results tabulation. </a:t>
+            </a:r>
+          </a:p>
+          <a:p>
+            <a:pPr lvl="1"/>
+            <a:r>
+              <a:rPr lang="en-US" dirty="0"/>
+              <a:t>Requirement for ‘majority’ limits the long, overfit branches that we saw with trees. </a:t>
             </a:r>
           </a:p>
         </p:txBody>
@@ -4837,7 +5268,7 @@
 </p:sld>
 </file>
 
-<file path=ppt/slides/slide7.xml><?xml version="1.0" encoding="utf-8"?>
+<file path=ppt/slides/slide8.xml><?xml version="1.0" encoding="utf-8"?>
 <p:sld xmlns:a="http://schemas.openxmlformats.org/drawingml/2006/main" xmlns:r="http://schemas.openxmlformats.org/officeDocument/2006/relationships" xmlns:p="http://schemas.openxmlformats.org/presentationml/2006/main">
   <p:cSld>
     <p:bg>
@@ -5235,7 +5666,7 @@
 </p:sld>
 </file>
 
-<file path=ppt/slides/slide8.xml><?xml version="1.0" encoding="utf-8"?>
+<file path=ppt/slides/slide9.xml><?xml version="1.0" encoding="utf-8"?>
 <p:sld xmlns:a="http://schemas.openxmlformats.org/drawingml/2006/main" xmlns:r="http://schemas.openxmlformats.org/officeDocument/2006/relationships" xmlns:p="http://schemas.openxmlformats.org/presentationml/2006/main">
   <p:cSld>
     <p:spTree>
@@ -5304,151 +5735,6 @@
     <p:extLst>
       <p:ext uri="{BB962C8B-B14F-4D97-AF65-F5344CB8AC3E}">
         <p14:creationId xmlns:p14="http://schemas.microsoft.com/office/powerpoint/2010/main" val="1407256639"/>
-      </p:ext>
-    </p:extLst>
-  </p:cSld>
-  <p:clrMapOvr>
-    <a:masterClrMapping/>
-  </p:clrMapOvr>
-</p:sld>
-</file>
-
-<file path=ppt/slides/slide9.xml><?xml version="1.0" encoding="utf-8"?>
-<p:sld xmlns:a="http://schemas.openxmlformats.org/drawingml/2006/main" xmlns:r="http://schemas.openxmlformats.org/officeDocument/2006/relationships" xmlns:p="http://schemas.openxmlformats.org/presentationml/2006/main">
-  <p:cSld>
-    <p:spTree>
-      <p:nvGrpSpPr>
-        <p:cNvPr id="1" name=""/>
-        <p:cNvGrpSpPr/>
-        <p:nvPr/>
-      </p:nvGrpSpPr>
-      <p:grpSpPr>
-        <a:xfrm>
-          <a:off x="0" y="0"/>
-          <a:ext cx="0" cy="0"/>
-          <a:chOff x="0" y="0"/>
-          <a:chExt cx="0" cy="0"/>
-        </a:xfrm>
-      </p:grpSpPr>
-      <p:sp>
-        <p:nvSpPr>
-          <p:cNvPr id="2" name="Title 1">
-            <a:extLst>
-              <a:ext uri="{FF2B5EF4-FFF2-40B4-BE49-F238E27FC236}">
-                <a16:creationId xmlns:a16="http://schemas.microsoft.com/office/drawing/2014/main" id="{A94E7D65-8D9F-C838-FE7D-015E0202DAD1}"/>
-              </a:ext>
-            </a:extLst>
-          </p:cNvPr>
-          <p:cNvSpPr>
-            <a:spLocks noGrp="1"/>
-          </p:cNvSpPr>
-          <p:nvPr>
-            <p:ph type="title"/>
-          </p:nvPr>
-        </p:nvSpPr>
-        <p:spPr/>
-        <p:txBody>
-          <a:bodyPr/>
-          <a:lstStyle/>
-          <a:p>
-            <a:r>
-              <a:rPr lang="en-US" dirty="0"/>
-              <a:t>Forests Against Overfitting</a:t>
-            </a:r>
-          </a:p>
-        </p:txBody>
-      </p:sp>
-      <p:sp>
-        <p:nvSpPr>
-          <p:cNvPr id="3" name="Content Placeholder 2">
-            <a:extLst>
-              <a:ext uri="{FF2B5EF4-FFF2-40B4-BE49-F238E27FC236}">
-                <a16:creationId xmlns:a16="http://schemas.microsoft.com/office/drawing/2014/main" id="{678C5B5D-35BD-314A-454F-0326FD5A5FBC}"/>
-              </a:ext>
-            </a:extLst>
-          </p:cNvPr>
-          <p:cNvSpPr>
-            <a:spLocks noGrp="1"/>
-          </p:cNvSpPr>
-          <p:nvPr>
-            <p:ph idx="1"/>
-          </p:nvPr>
-        </p:nvSpPr>
-        <p:spPr>
-          <a:xfrm>
-            <a:off x="944217" y="1853754"/>
-            <a:ext cx="10893287" cy="4199727"/>
-          </a:xfrm>
-        </p:spPr>
-        <p:txBody>
-          <a:bodyPr>
-            <a:normAutofit/>
-          </a:bodyPr>
-          <a:lstStyle/>
-          <a:p>
-            <a:r>
-              <a:rPr lang="en-US" dirty="0"/>
-              <a:t>Forest model are more resilient to overfitting than individual trees. </a:t>
-            </a:r>
-          </a:p>
-          <a:p>
-            <a:r>
-              <a:rPr lang="en-US" dirty="0"/>
-              <a:t>Trees tend to overfit by splitting nodes by less important features to get slightly better. </a:t>
-            </a:r>
-          </a:p>
-          <a:p>
-            <a:pPr lvl="1"/>
-            <a:r>
-              <a:rPr lang="en-US" dirty="0"/>
-              <a:t>By definition, it is looking at the less important stuff to separate similar records. </a:t>
-            </a:r>
-          </a:p>
-          <a:p>
-            <a:r>
-              <a:rPr lang="en-US" dirty="0"/>
-              <a:t>Forests give each model a slightly different training data set. </a:t>
-            </a:r>
-          </a:p>
-          <a:p>
-            <a:pPr lvl="1"/>
-            <a:r>
-              <a:rPr lang="en-US" dirty="0"/>
-              <a:t>Only some models will be able to overfit (in any particular way) since they don’t all have the data. </a:t>
-            </a:r>
-          </a:p>
-          <a:p>
-            <a:pPr lvl="1"/>
-            <a:r>
-              <a:rPr lang="en-US" dirty="0"/>
-              <a:t>The final result is a vote of all the models. </a:t>
-            </a:r>
-          </a:p>
-          <a:p>
-            <a:r>
-              <a:rPr lang="en-US" dirty="0"/>
-              <a:t>Even if some trees overfit, that can be overcome as those will ‘loose the vote’ of all trees. </a:t>
-            </a:r>
-          </a:p>
-          <a:p>
-            <a:r>
-              <a:rPr lang="en-US" dirty="0"/>
-              <a:t>Only ‘trends’ in the data that exist in many of the models will persist. </a:t>
-            </a:r>
-          </a:p>
-          <a:p>
-            <a:pPr lvl="1"/>
-            <a:r>
-              <a:rPr lang="en-US" dirty="0"/>
-              <a:t>We’re using the instability of the tree for us – each tree is different, but the ‘overlap’ persists in the model. </a:t>
-            </a:r>
-          </a:p>
-        </p:txBody>
-      </p:sp>
-    </p:spTree>
-    <p:extLst>
-      <p:ext uri="{BB962C8B-B14F-4D97-AF65-F5344CB8AC3E}">
-        <p14:creationId xmlns:p14="http://schemas.microsoft.com/office/powerpoint/2010/main" val="1986651203"/>
       </p:ext>
     </p:extLst>
   </p:cSld>
